--- a/20181026-20181102-张雁君.pptx
+++ b/20181026-20181102-张雁君.pptx
@@ -4,11 +4,13 @@
   <p:sldMasterIdLst>
     <p:sldMasterId id="2147483648" r:id="rId1"/>
   </p:sldMasterIdLst>
+  <p:notesMasterIdLst>
+    <p:notesMasterId r:id="rId5"/>
+  </p:notesMasterIdLst>
   <p:sldIdLst>
     <p:sldId id="256" r:id="rId2"/>
     <p:sldId id="257" r:id="rId3"/>
-    <p:sldId id="258" r:id="rId4"/>
-    <p:sldId id="259" r:id="rId5"/>
+    <p:sldId id="259" r:id="rId4"/>
   </p:sldIdLst>
   <p:sldSz cx="12192000" cy="6858000"/>
   <p:notesSz cx="6858000" cy="9144000"/>
@@ -114,7 +116,6 @@
           <p14:sldIdLst>
             <p14:sldId id="256"/>
             <p14:sldId id="257"/>
-            <p14:sldId id="258"/>
             <p14:sldId id="259"/>
           </p14:sldIdLst>
         </p14:section>
@@ -125,6 +126,439 @@
     </p:ext>
   </p:extLst>
 </p:presentation>
+</file>
+
+<file path=ppt/notesMasters/notesMaster1.xml><?xml version="1.0" encoding="utf-8"?>
+<p:notesMaster xmlns:a="http://schemas.openxmlformats.org/drawingml/2006/main" xmlns:r="http://schemas.openxmlformats.org/officeDocument/2006/relationships" xmlns:p="http://schemas.openxmlformats.org/presentationml/2006/main">
+  <p:cSld>
+    <p:bg>
+      <p:bgRef idx="1001">
+        <a:schemeClr val="bg1"/>
+      </p:bgRef>
+    </p:bg>
+    <p:spTree>
+      <p:nvGrpSpPr>
+        <p:cNvPr id="1" name=""/>
+        <p:cNvGrpSpPr/>
+        <p:nvPr/>
+      </p:nvGrpSpPr>
+      <p:grpSpPr>
+        <a:xfrm>
+          <a:off x="0" y="0"/>
+          <a:ext cx="0" cy="0"/>
+          <a:chOff x="0" y="0"/>
+          <a:chExt cx="0" cy="0"/>
+        </a:xfrm>
+      </p:grpSpPr>
+      <p:sp>
+        <p:nvSpPr>
+          <p:cNvPr id="2" name="页眉占位符 1"/>
+          <p:cNvSpPr>
+            <a:spLocks noGrp="1"/>
+          </p:cNvSpPr>
+          <p:nvPr>
+            <p:ph type="hdr" sz="quarter"/>
+          </p:nvPr>
+        </p:nvSpPr>
+        <p:spPr>
+          <a:xfrm>
+            <a:off x="0" y="0"/>
+            <a:ext cx="2971800" cy="458788"/>
+          </a:xfrm>
+          <a:prstGeom prst="rect">
+            <a:avLst/>
+          </a:prstGeom>
+        </p:spPr>
+        <p:txBody>
+          <a:bodyPr vert="horz" lIns="91440" tIns="45720" rIns="91440" bIns="45720" rtlCol="0"/>
+          <a:lstStyle>
+            <a:lvl1pPr algn="l">
+              <a:defRPr sz="1200"/>
+            </a:lvl1pPr>
+          </a:lstStyle>
+          <a:p>
+            <a:endParaRPr lang="zh-CN" altLang="en-US"/>
+          </a:p>
+        </p:txBody>
+      </p:sp>
+      <p:sp>
+        <p:nvSpPr>
+          <p:cNvPr id="3" name="日期占位符 2"/>
+          <p:cNvSpPr>
+            <a:spLocks noGrp="1"/>
+          </p:cNvSpPr>
+          <p:nvPr>
+            <p:ph type="dt" idx="1"/>
+          </p:nvPr>
+        </p:nvSpPr>
+        <p:spPr>
+          <a:xfrm>
+            <a:off x="3884613" y="0"/>
+            <a:ext cx="2971800" cy="458788"/>
+          </a:xfrm>
+          <a:prstGeom prst="rect">
+            <a:avLst/>
+          </a:prstGeom>
+        </p:spPr>
+        <p:txBody>
+          <a:bodyPr vert="horz" lIns="91440" tIns="45720" rIns="91440" bIns="45720" rtlCol="0"/>
+          <a:lstStyle>
+            <a:lvl1pPr algn="r">
+              <a:defRPr sz="1200"/>
+            </a:lvl1pPr>
+          </a:lstStyle>
+          <a:p>
+            <a:fld id="{F0524C2D-93A7-40C9-961D-C47F10D796C4}" type="datetimeFigureOut">
+              <a:rPr lang="zh-CN" altLang="en-US" smtClean="0"/>
+              <a:t>2018/10/31</a:t>
+            </a:fld>
+            <a:endParaRPr lang="zh-CN" altLang="en-US"/>
+          </a:p>
+        </p:txBody>
+      </p:sp>
+      <p:sp>
+        <p:nvSpPr>
+          <p:cNvPr id="4" name="幻灯片图像占位符 3"/>
+          <p:cNvSpPr>
+            <a:spLocks noGrp="1" noRot="1" noChangeAspect="1"/>
+          </p:cNvSpPr>
+          <p:nvPr>
+            <p:ph type="sldImg" idx="2"/>
+          </p:nvPr>
+        </p:nvSpPr>
+        <p:spPr>
+          <a:xfrm>
+            <a:off x="685800" y="1143000"/>
+            <a:ext cx="5486400" cy="3086100"/>
+          </a:xfrm>
+          <a:prstGeom prst="rect">
+            <a:avLst/>
+          </a:prstGeom>
+          <a:noFill/>
+          <a:ln w="12700">
+            <a:solidFill>
+              <a:prstClr val="black"/>
+            </a:solidFill>
+          </a:ln>
+        </p:spPr>
+        <p:txBody>
+          <a:bodyPr vert="horz" lIns="91440" tIns="45720" rIns="91440" bIns="45720" rtlCol="0" anchor="ctr"/>
+          <a:lstStyle/>
+          <a:p>
+            <a:endParaRPr lang="zh-CN" altLang="en-US"/>
+          </a:p>
+        </p:txBody>
+      </p:sp>
+      <p:sp>
+        <p:nvSpPr>
+          <p:cNvPr id="5" name="备注占位符 4"/>
+          <p:cNvSpPr>
+            <a:spLocks noGrp="1"/>
+          </p:cNvSpPr>
+          <p:nvPr>
+            <p:ph type="body" sz="quarter" idx="3"/>
+          </p:nvPr>
+        </p:nvSpPr>
+        <p:spPr>
+          <a:xfrm>
+            <a:off x="685800" y="4400550"/>
+            <a:ext cx="5486400" cy="3600450"/>
+          </a:xfrm>
+          <a:prstGeom prst="rect">
+            <a:avLst/>
+          </a:prstGeom>
+        </p:spPr>
+        <p:txBody>
+          <a:bodyPr vert="horz" lIns="91440" tIns="45720" rIns="91440" bIns="45720" rtlCol="0"/>
+          <a:lstStyle/>
+          <a:p>
+            <a:pPr lvl="0"/>
+            <a:r>
+              <a:rPr lang="zh-CN" altLang="en-US"/>
+              <a:t>编辑母版文本样式</a:t>
+            </a:r>
+          </a:p>
+          <a:p>
+            <a:pPr lvl="1"/>
+            <a:r>
+              <a:rPr lang="zh-CN" altLang="en-US"/>
+              <a:t>第二级</a:t>
+            </a:r>
+          </a:p>
+          <a:p>
+            <a:pPr lvl="2"/>
+            <a:r>
+              <a:rPr lang="zh-CN" altLang="en-US"/>
+              <a:t>第三级</a:t>
+            </a:r>
+          </a:p>
+          <a:p>
+            <a:pPr lvl="3"/>
+            <a:r>
+              <a:rPr lang="zh-CN" altLang="en-US"/>
+              <a:t>第四级</a:t>
+            </a:r>
+          </a:p>
+          <a:p>
+            <a:pPr lvl="4"/>
+            <a:r>
+              <a:rPr lang="zh-CN" altLang="en-US"/>
+              <a:t>第五级</a:t>
+            </a:r>
+          </a:p>
+        </p:txBody>
+      </p:sp>
+      <p:sp>
+        <p:nvSpPr>
+          <p:cNvPr id="6" name="页脚占位符 5"/>
+          <p:cNvSpPr>
+            <a:spLocks noGrp="1"/>
+          </p:cNvSpPr>
+          <p:nvPr>
+            <p:ph type="ftr" sz="quarter" idx="4"/>
+          </p:nvPr>
+        </p:nvSpPr>
+        <p:spPr>
+          <a:xfrm>
+            <a:off x="0" y="8685213"/>
+            <a:ext cx="2971800" cy="458787"/>
+          </a:xfrm>
+          <a:prstGeom prst="rect">
+            <a:avLst/>
+          </a:prstGeom>
+        </p:spPr>
+        <p:txBody>
+          <a:bodyPr vert="horz" lIns="91440" tIns="45720" rIns="91440" bIns="45720" rtlCol="0" anchor="b"/>
+          <a:lstStyle>
+            <a:lvl1pPr algn="l">
+              <a:defRPr sz="1200"/>
+            </a:lvl1pPr>
+          </a:lstStyle>
+          <a:p>
+            <a:endParaRPr lang="zh-CN" altLang="en-US"/>
+          </a:p>
+        </p:txBody>
+      </p:sp>
+      <p:sp>
+        <p:nvSpPr>
+          <p:cNvPr id="7" name="灯片编号占位符 6"/>
+          <p:cNvSpPr>
+            <a:spLocks noGrp="1"/>
+          </p:cNvSpPr>
+          <p:nvPr>
+            <p:ph type="sldNum" sz="quarter" idx="5"/>
+          </p:nvPr>
+        </p:nvSpPr>
+        <p:spPr>
+          <a:xfrm>
+            <a:off x="3884613" y="8685213"/>
+            <a:ext cx="2971800" cy="458787"/>
+          </a:xfrm>
+          <a:prstGeom prst="rect">
+            <a:avLst/>
+          </a:prstGeom>
+        </p:spPr>
+        <p:txBody>
+          <a:bodyPr vert="horz" lIns="91440" tIns="45720" rIns="91440" bIns="45720" rtlCol="0" anchor="b"/>
+          <a:lstStyle>
+            <a:lvl1pPr algn="r">
+              <a:defRPr sz="1200"/>
+            </a:lvl1pPr>
+          </a:lstStyle>
+          <a:p>
+            <a:fld id="{0374DDDD-5FAF-4B50-9816-938C7035FF97}" type="slidenum">
+              <a:rPr lang="zh-CN" altLang="en-US" smtClean="0"/>
+              <a:t>‹#›</a:t>
+            </a:fld>
+            <a:endParaRPr lang="zh-CN" altLang="en-US"/>
+          </a:p>
+        </p:txBody>
+      </p:sp>
+    </p:spTree>
+    <p:extLst>
+      <p:ext uri="{BB962C8B-B14F-4D97-AF65-F5344CB8AC3E}">
+        <p14:creationId xmlns:p14="http://schemas.microsoft.com/office/powerpoint/2010/main" val="1810617680"/>
+      </p:ext>
+    </p:extLst>
+  </p:cSld>
+  <p:clrMap bg1="lt1" tx1="dk1" bg2="lt2" tx2="dk2" accent1="accent1" accent2="accent2" accent3="accent3" accent4="accent4" accent5="accent5" accent6="accent6" hlink="hlink" folHlink="folHlink"/>
+  <p:notesStyle>
+    <a:lvl1pPr marL="0" algn="l" defTabSz="914400" rtl="0" eaLnBrk="1" latinLnBrk="0" hangingPunct="1">
+      <a:defRPr sz="1200" kern="1200">
+        <a:solidFill>
+          <a:schemeClr val="tx1"/>
+        </a:solidFill>
+        <a:latin typeface="+mn-lt"/>
+        <a:ea typeface="+mn-ea"/>
+        <a:cs typeface="+mn-cs"/>
+      </a:defRPr>
+    </a:lvl1pPr>
+    <a:lvl2pPr marL="457200" algn="l" defTabSz="914400" rtl="0" eaLnBrk="1" latinLnBrk="0" hangingPunct="1">
+      <a:defRPr sz="1200" kern="1200">
+        <a:solidFill>
+          <a:schemeClr val="tx1"/>
+        </a:solidFill>
+        <a:latin typeface="+mn-lt"/>
+        <a:ea typeface="+mn-ea"/>
+        <a:cs typeface="+mn-cs"/>
+      </a:defRPr>
+    </a:lvl2pPr>
+    <a:lvl3pPr marL="914400" algn="l" defTabSz="914400" rtl="0" eaLnBrk="1" latinLnBrk="0" hangingPunct="1">
+      <a:defRPr sz="1200" kern="1200">
+        <a:solidFill>
+          <a:schemeClr val="tx1"/>
+        </a:solidFill>
+        <a:latin typeface="+mn-lt"/>
+        <a:ea typeface="+mn-ea"/>
+        <a:cs typeface="+mn-cs"/>
+      </a:defRPr>
+    </a:lvl3pPr>
+    <a:lvl4pPr marL="1371600" algn="l" defTabSz="914400" rtl="0" eaLnBrk="1" latinLnBrk="0" hangingPunct="1">
+      <a:defRPr sz="1200" kern="1200">
+        <a:solidFill>
+          <a:schemeClr val="tx1"/>
+        </a:solidFill>
+        <a:latin typeface="+mn-lt"/>
+        <a:ea typeface="+mn-ea"/>
+        <a:cs typeface="+mn-cs"/>
+      </a:defRPr>
+    </a:lvl4pPr>
+    <a:lvl5pPr marL="1828800" algn="l" defTabSz="914400" rtl="0" eaLnBrk="1" latinLnBrk="0" hangingPunct="1">
+      <a:defRPr sz="1200" kern="1200">
+        <a:solidFill>
+          <a:schemeClr val="tx1"/>
+        </a:solidFill>
+        <a:latin typeface="+mn-lt"/>
+        <a:ea typeface="+mn-ea"/>
+        <a:cs typeface="+mn-cs"/>
+      </a:defRPr>
+    </a:lvl5pPr>
+    <a:lvl6pPr marL="2286000" algn="l" defTabSz="914400" rtl="0" eaLnBrk="1" latinLnBrk="0" hangingPunct="1">
+      <a:defRPr sz="1200" kern="1200">
+        <a:solidFill>
+          <a:schemeClr val="tx1"/>
+        </a:solidFill>
+        <a:latin typeface="+mn-lt"/>
+        <a:ea typeface="+mn-ea"/>
+        <a:cs typeface="+mn-cs"/>
+      </a:defRPr>
+    </a:lvl6pPr>
+    <a:lvl7pPr marL="2743200" algn="l" defTabSz="914400" rtl="0" eaLnBrk="1" latinLnBrk="0" hangingPunct="1">
+      <a:defRPr sz="1200" kern="1200">
+        <a:solidFill>
+          <a:schemeClr val="tx1"/>
+        </a:solidFill>
+        <a:latin typeface="+mn-lt"/>
+        <a:ea typeface="+mn-ea"/>
+        <a:cs typeface="+mn-cs"/>
+      </a:defRPr>
+    </a:lvl7pPr>
+    <a:lvl8pPr marL="3200400" algn="l" defTabSz="914400" rtl="0" eaLnBrk="1" latinLnBrk="0" hangingPunct="1">
+      <a:defRPr sz="1200" kern="1200">
+        <a:solidFill>
+          <a:schemeClr val="tx1"/>
+        </a:solidFill>
+        <a:latin typeface="+mn-lt"/>
+        <a:ea typeface="+mn-ea"/>
+        <a:cs typeface="+mn-cs"/>
+      </a:defRPr>
+    </a:lvl8pPr>
+    <a:lvl9pPr marL="3657600" algn="l" defTabSz="914400" rtl="0" eaLnBrk="1" latinLnBrk="0" hangingPunct="1">
+      <a:defRPr sz="1200" kern="1200">
+        <a:solidFill>
+          <a:schemeClr val="tx1"/>
+        </a:solidFill>
+        <a:latin typeface="+mn-lt"/>
+        <a:ea typeface="+mn-ea"/>
+        <a:cs typeface="+mn-cs"/>
+      </a:defRPr>
+    </a:lvl9pPr>
+  </p:notesStyle>
+</p:notesMaster>
+</file>
+
+<file path=ppt/notesSlides/notesSlide1.xml><?xml version="1.0" encoding="utf-8"?>
+<p:notes xmlns:a="http://schemas.openxmlformats.org/drawingml/2006/main" xmlns:r="http://schemas.openxmlformats.org/officeDocument/2006/relationships" xmlns:p="http://schemas.openxmlformats.org/presentationml/2006/main">
+  <p:cSld>
+    <p:spTree>
+      <p:nvGrpSpPr>
+        <p:cNvPr id="1" name=""/>
+        <p:cNvGrpSpPr/>
+        <p:nvPr/>
+      </p:nvGrpSpPr>
+      <p:grpSpPr>
+        <a:xfrm>
+          <a:off x="0" y="0"/>
+          <a:ext cx="0" cy="0"/>
+          <a:chOff x="0" y="0"/>
+          <a:chExt cx="0" cy="0"/>
+        </a:xfrm>
+      </p:grpSpPr>
+      <p:sp>
+        <p:nvSpPr>
+          <p:cNvPr id="2" name="幻灯片图像占位符 1"/>
+          <p:cNvSpPr>
+            <a:spLocks noGrp="1" noRot="1" noChangeAspect="1"/>
+          </p:cNvSpPr>
+          <p:nvPr>
+            <p:ph type="sldImg"/>
+          </p:nvPr>
+        </p:nvSpPr>
+        <p:spPr/>
+      </p:sp>
+      <p:sp>
+        <p:nvSpPr>
+          <p:cNvPr id="3" name="备注占位符 2"/>
+          <p:cNvSpPr>
+            <a:spLocks noGrp="1"/>
+          </p:cNvSpPr>
+          <p:nvPr>
+            <p:ph type="body" idx="1"/>
+          </p:nvPr>
+        </p:nvSpPr>
+        <p:spPr/>
+        <p:txBody>
+          <a:bodyPr/>
+          <a:lstStyle/>
+          <a:p>
+            <a:endParaRPr lang="zh-CN" altLang="en-US" dirty="0"/>
+          </a:p>
+        </p:txBody>
+      </p:sp>
+      <p:sp>
+        <p:nvSpPr>
+          <p:cNvPr id="4" name="灯片编号占位符 3"/>
+          <p:cNvSpPr>
+            <a:spLocks noGrp="1"/>
+          </p:cNvSpPr>
+          <p:nvPr>
+            <p:ph type="sldNum" sz="quarter" idx="5"/>
+          </p:nvPr>
+        </p:nvSpPr>
+        <p:spPr/>
+        <p:txBody>
+          <a:bodyPr/>
+          <a:lstStyle/>
+          <a:p>
+            <a:fld id="{0374DDDD-5FAF-4B50-9816-938C7035FF97}" type="slidenum">
+              <a:rPr lang="zh-CN" altLang="en-US" smtClean="0"/>
+              <a:t>3</a:t>
+            </a:fld>
+            <a:endParaRPr lang="zh-CN" altLang="en-US"/>
+          </a:p>
+        </p:txBody>
+      </p:sp>
+    </p:spTree>
+    <p:extLst>
+      <p:ext uri="{BB962C8B-B14F-4D97-AF65-F5344CB8AC3E}">
+        <p14:creationId xmlns:p14="http://schemas.microsoft.com/office/powerpoint/2010/main" val="3238169808"/>
+      </p:ext>
+    </p:extLst>
+  </p:cSld>
+  <p:clrMapOvr>
+    <a:masterClrMapping/>
+  </p:clrMapOvr>
+</p:notes>
 </file>
 
 <file path=ppt/slideLayouts/slideLayout1.xml><?xml version="1.0" encoding="utf-8"?>
@@ -274,7 +708,7 @@
           <a:p>
             <a:fld id="{BD3FB1B4-40C7-4E61-B4B2-762932AA1D83}" type="datetimeFigureOut">
               <a:rPr lang="zh-CN" altLang="en-US" smtClean="0"/>
-              <a:t>2018/10/28</a:t>
+              <a:t>2018/10/31</a:t>
             </a:fld>
             <a:endParaRPr lang="zh-CN" altLang="en-US"/>
           </a:p>
@@ -472,7 +906,7 @@
           <a:p>
             <a:fld id="{BD3FB1B4-40C7-4E61-B4B2-762932AA1D83}" type="datetimeFigureOut">
               <a:rPr lang="zh-CN" altLang="en-US" smtClean="0"/>
-              <a:t>2018/10/28</a:t>
+              <a:t>2018/10/31</a:t>
             </a:fld>
             <a:endParaRPr lang="zh-CN" altLang="en-US"/>
           </a:p>
@@ -680,7 +1114,7 @@
           <a:p>
             <a:fld id="{BD3FB1B4-40C7-4E61-B4B2-762932AA1D83}" type="datetimeFigureOut">
               <a:rPr lang="zh-CN" altLang="en-US" smtClean="0"/>
-              <a:t>2018/10/28</a:t>
+              <a:t>2018/10/31</a:t>
             </a:fld>
             <a:endParaRPr lang="zh-CN" altLang="en-US"/>
           </a:p>
@@ -878,7 +1312,7 @@
           <a:p>
             <a:fld id="{BD3FB1B4-40C7-4E61-B4B2-762932AA1D83}" type="datetimeFigureOut">
               <a:rPr lang="zh-CN" altLang="en-US" smtClean="0"/>
-              <a:t>2018/10/28</a:t>
+              <a:t>2018/10/31</a:t>
             </a:fld>
             <a:endParaRPr lang="zh-CN" altLang="en-US"/>
           </a:p>
@@ -1153,7 +1587,7 @@
           <a:p>
             <a:fld id="{BD3FB1B4-40C7-4E61-B4B2-762932AA1D83}" type="datetimeFigureOut">
               <a:rPr lang="zh-CN" altLang="en-US" smtClean="0"/>
-              <a:t>2018/10/28</a:t>
+              <a:t>2018/10/31</a:t>
             </a:fld>
             <a:endParaRPr lang="zh-CN" altLang="en-US"/>
           </a:p>
@@ -1418,7 +1852,7 @@
           <a:p>
             <a:fld id="{BD3FB1B4-40C7-4E61-B4B2-762932AA1D83}" type="datetimeFigureOut">
               <a:rPr lang="zh-CN" altLang="en-US" smtClean="0"/>
-              <a:t>2018/10/28</a:t>
+              <a:t>2018/10/31</a:t>
             </a:fld>
             <a:endParaRPr lang="zh-CN" altLang="en-US"/>
           </a:p>
@@ -1830,7 +2264,7 @@
           <a:p>
             <a:fld id="{BD3FB1B4-40C7-4E61-B4B2-762932AA1D83}" type="datetimeFigureOut">
               <a:rPr lang="zh-CN" altLang="en-US" smtClean="0"/>
-              <a:t>2018/10/28</a:t>
+              <a:t>2018/10/31</a:t>
             </a:fld>
             <a:endParaRPr lang="zh-CN" altLang="en-US"/>
           </a:p>
@@ -1971,7 +2405,7 @@
           <a:p>
             <a:fld id="{BD3FB1B4-40C7-4E61-B4B2-762932AA1D83}" type="datetimeFigureOut">
               <a:rPr lang="zh-CN" altLang="en-US" smtClean="0"/>
-              <a:t>2018/10/28</a:t>
+              <a:t>2018/10/31</a:t>
             </a:fld>
             <a:endParaRPr lang="zh-CN" altLang="en-US"/>
           </a:p>
@@ -2084,7 +2518,7 @@
           <a:p>
             <a:fld id="{BD3FB1B4-40C7-4E61-B4B2-762932AA1D83}" type="datetimeFigureOut">
               <a:rPr lang="zh-CN" altLang="en-US" smtClean="0"/>
-              <a:t>2018/10/28</a:t>
+              <a:t>2018/10/31</a:t>
             </a:fld>
             <a:endParaRPr lang="zh-CN" altLang="en-US"/>
           </a:p>
@@ -2395,7 +2829,7 @@
           <a:p>
             <a:fld id="{BD3FB1B4-40C7-4E61-B4B2-762932AA1D83}" type="datetimeFigureOut">
               <a:rPr lang="zh-CN" altLang="en-US" smtClean="0"/>
-              <a:t>2018/10/28</a:t>
+              <a:t>2018/10/31</a:t>
             </a:fld>
             <a:endParaRPr lang="zh-CN" altLang="en-US"/>
           </a:p>
@@ -2683,7 +3117,7 @@
           <a:p>
             <a:fld id="{BD3FB1B4-40C7-4E61-B4B2-762932AA1D83}" type="datetimeFigureOut">
               <a:rPr lang="zh-CN" altLang="en-US" smtClean="0"/>
-              <a:t>2018/10/28</a:t>
+              <a:t>2018/10/31</a:t>
             </a:fld>
             <a:endParaRPr lang="zh-CN" altLang="en-US"/>
           </a:p>
@@ -2924,7 +3358,7 @@
           <a:p>
             <a:fld id="{BD3FB1B4-40C7-4E61-B4B2-762932AA1D83}" type="datetimeFigureOut">
               <a:rPr lang="zh-CN" altLang="en-US" smtClean="0"/>
-              <a:t>2018/10/28</a:t>
+              <a:t>2018/10/31</a:t>
             </a:fld>
             <a:endParaRPr lang="zh-CN" altLang="en-US"/>
           </a:p>
@@ -3359,47 +3793,323 @@
         </p:nvSpPr>
         <p:spPr>
           <a:xfrm>
-            <a:off x="936171" y="351972"/>
-            <a:ext cx="9144000" cy="916991"/>
+            <a:off x="936171" y="351973"/>
+            <a:ext cx="9144000" cy="628676"/>
           </a:xfrm>
         </p:spPr>
         <p:txBody>
-          <a:bodyPr/>
-          <a:lstStyle/>
-          <a:p>
+          <a:bodyPr>
+            <a:noAutofit/>
+          </a:bodyPr>
+          <a:lstStyle/>
+          <a:p>
+            <a:r>
+              <a:rPr lang="en-US" altLang="zh-CN" sz="4000" dirty="0"/>
+              <a:t>1</a:t>
+            </a:r>
+            <a:r>
+              <a:rPr lang="zh-CN" altLang="en-US" sz="4000" dirty="0"/>
+              <a:t>的个数</a:t>
+            </a:r>
+          </a:p>
+        </p:txBody>
+      </p:sp>
+      <p:sp>
+        <p:nvSpPr>
+          <p:cNvPr id="4" name="文本框 3">
+            <a:extLst>
+              <a:ext uri="{FF2B5EF4-FFF2-40B4-BE49-F238E27FC236}">
+                <a16:creationId xmlns:a16="http://schemas.microsoft.com/office/drawing/2014/main" id="{F2CD77A5-5BDB-4063-ABA4-77AB8EC4CB9D}"/>
+              </a:ext>
+            </a:extLst>
+          </p:cNvPr>
+          <p:cNvSpPr txBox="1"/>
+          <p:nvPr/>
+        </p:nvSpPr>
+        <p:spPr>
+          <a:xfrm>
+            <a:off x="768220" y="802432"/>
+            <a:ext cx="4674637" cy="1477328"/>
+          </a:xfrm>
+          <a:prstGeom prst="rect">
+            <a:avLst/>
+          </a:prstGeom>
+          <a:noFill/>
+        </p:spPr>
+        <p:txBody>
+          <a:bodyPr wrap="square" rtlCol="0">
+            <a:spAutoFit/>
+          </a:bodyPr>
+          <a:lstStyle/>
+          <a:p>
+            <a:r>
+              <a:rPr lang="zh-CN" altLang="en-US" dirty="0"/>
+              <a:t>思路：对</a:t>
+            </a:r>
+            <a:r>
+              <a:rPr lang="en-US" altLang="zh-CN" dirty="0"/>
+              <a:t>n</a:t>
+            </a:r>
+            <a:r>
+              <a:rPr lang="zh-CN" altLang="en-US" dirty="0"/>
+              <a:t>进行取余，若余数为</a:t>
+            </a:r>
+            <a:r>
+              <a:rPr lang="en-US" altLang="zh-CN" dirty="0"/>
+              <a:t>1,</a:t>
+            </a:r>
+            <a:r>
+              <a:rPr lang="zh-CN" altLang="en-US" dirty="0"/>
+              <a:t>则说明</a:t>
+            </a:r>
+            <a:r>
+              <a:rPr lang="en-US" altLang="zh-CN" dirty="0"/>
+              <a:t>n</a:t>
+            </a:r>
+            <a:r>
+              <a:rPr lang="zh-CN" altLang="en-US" dirty="0"/>
+              <a:t>中含</a:t>
+            </a:r>
             <a:r>
               <a:rPr lang="en-US" altLang="zh-CN" dirty="0"/>
               <a:t>1</a:t>
             </a:r>
             <a:r>
               <a:rPr lang="zh-CN" altLang="en-US" dirty="0"/>
-              <a:t>的个数</a:t>
-            </a:r>
-          </a:p>
-        </p:txBody>
-      </p:sp>
-      <p:sp>
-        <p:nvSpPr>
-          <p:cNvPr id="3" name="副标题 2">
-            <a:extLst>
-              <a:ext uri="{FF2B5EF4-FFF2-40B4-BE49-F238E27FC236}">
-                <a16:creationId xmlns:a16="http://schemas.microsoft.com/office/drawing/2014/main" id="{AF1B2CCF-D29C-48E4-AAC4-C28339A4DF33}"/>
-              </a:ext>
-            </a:extLst>
-          </p:cNvPr>
-          <p:cNvSpPr>
-            <a:spLocks noGrp="1"/>
-          </p:cNvSpPr>
-          <p:nvPr>
-            <p:ph type="subTitle" idx="1"/>
-          </p:nvPr>
-        </p:nvSpPr>
-        <p:spPr/>
-        <p:txBody>
-          <a:bodyPr/>
-          <a:lstStyle/>
-          <a:p>
-            <a:endParaRPr lang="zh-CN" altLang="en-US"/>
+              <a:t>，再用</a:t>
+            </a:r>
+            <a:r>
+              <a:rPr lang="en-US" altLang="zh-CN" dirty="0"/>
+              <a:t>n </a:t>
+            </a:r>
+            <a:r>
+              <a:rPr lang="zh-CN" altLang="en-US" dirty="0"/>
+              <a:t>除以</a:t>
+            </a:r>
+            <a:r>
+              <a:rPr lang="en-US" altLang="zh-CN" dirty="0"/>
+              <a:t>10</a:t>
+            </a:r>
+            <a:r>
+              <a:rPr lang="zh-CN" altLang="en-US" dirty="0"/>
+              <a:t>，在取余，验证下一位是否含</a:t>
+            </a:r>
+            <a:r>
+              <a:rPr lang="en-US" altLang="zh-CN" dirty="0"/>
+              <a:t>1</a:t>
+            </a:r>
+            <a:r>
+              <a:rPr lang="zh-CN" altLang="en-US" dirty="0"/>
+              <a:t>，对</a:t>
+            </a:r>
+            <a:r>
+              <a:rPr lang="en-US" altLang="zh-CN" dirty="0"/>
+              <a:t>n</a:t>
+            </a:r>
+            <a:r>
+              <a:rPr lang="zh-CN" altLang="en-US" dirty="0"/>
+              <a:t>不断除以</a:t>
+            </a:r>
+            <a:r>
+              <a:rPr lang="en-US" altLang="zh-CN" dirty="0"/>
+              <a:t>10</a:t>
+            </a:r>
+            <a:r>
+              <a:rPr lang="zh-CN" altLang="en-US" dirty="0"/>
+              <a:t>，直至商为零时停止，将上述操作封装成一个函数，再用循环对</a:t>
+            </a:r>
+            <a:r>
+              <a:rPr lang="en-US" altLang="zh-CN" dirty="0"/>
+              <a:t>1-n</a:t>
+            </a:r>
+            <a:r>
+              <a:rPr lang="zh-CN" altLang="en-US" dirty="0"/>
+              <a:t>的数执行该函数。</a:t>
+            </a:r>
+          </a:p>
+        </p:txBody>
+      </p:sp>
+      <p:pic>
+        <p:nvPicPr>
+          <p:cNvPr id="5" name="图片 4">
+            <a:extLst>
+              <a:ext uri="{FF2B5EF4-FFF2-40B4-BE49-F238E27FC236}">
+                <a16:creationId xmlns:a16="http://schemas.microsoft.com/office/drawing/2014/main" id="{F4C7FB4B-6EA2-4BD1-AB6A-4144277CD622}"/>
+              </a:ext>
+            </a:extLst>
+          </p:cNvPr>
+          <p:cNvPicPr>
+            <a:picLocks noChangeAspect="1"/>
+          </p:cNvPicPr>
+          <p:nvPr/>
+        </p:nvPicPr>
+        <p:blipFill>
+          <a:blip r:embed="rId2"/>
+          <a:stretch>
+            <a:fillRect/>
+          </a:stretch>
+        </p:blipFill>
+        <p:spPr>
+          <a:xfrm>
+            <a:off x="1278294" y="2263803"/>
+            <a:ext cx="5234269" cy="4242224"/>
+          </a:xfrm>
+          <a:prstGeom prst="rect">
+            <a:avLst/>
+          </a:prstGeom>
+        </p:spPr>
+      </p:pic>
+      <p:pic>
+        <p:nvPicPr>
+          <p:cNvPr id="6" name="图片 5">
+            <a:extLst>
+              <a:ext uri="{FF2B5EF4-FFF2-40B4-BE49-F238E27FC236}">
+                <a16:creationId xmlns:a16="http://schemas.microsoft.com/office/drawing/2014/main" id="{D69DDFB1-938E-49AD-A840-00CEB544FF53}"/>
+              </a:ext>
+            </a:extLst>
+          </p:cNvPr>
+          <p:cNvPicPr>
+            <a:picLocks noChangeAspect="1"/>
+          </p:cNvPicPr>
+          <p:nvPr/>
+        </p:nvPicPr>
+        <p:blipFill>
+          <a:blip r:embed="rId3"/>
+          <a:stretch>
+            <a:fillRect/>
+          </a:stretch>
+        </p:blipFill>
+        <p:spPr>
+          <a:xfrm>
+            <a:off x="8148534" y="1038132"/>
+            <a:ext cx="1348857" cy="1005927"/>
+          </a:xfrm>
+          <a:prstGeom prst="rect">
+            <a:avLst/>
+          </a:prstGeom>
+        </p:spPr>
+      </p:pic>
+      <p:sp>
+        <p:nvSpPr>
+          <p:cNvPr id="7" name="文本框 6">
+            <a:extLst>
+              <a:ext uri="{FF2B5EF4-FFF2-40B4-BE49-F238E27FC236}">
+                <a16:creationId xmlns:a16="http://schemas.microsoft.com/office/drawing/2014/main" id="{A47E9FC2-DFA4-4605-8EF0-4CD59A39474F}"/>
+              </a:ext>
+            </a:extLst>
+          </p:cNvPr>
+          <p:cNvSpPr txBox="1"/>
+          <p:nvPr/>
+        </p:nvSpPr>
+        <p:spPr>
+          <a:xfrm>
+            <a:off x="345715" y="2360887"/>
+            <a:ext cx="677542" cy="369332"/>
+          </a:xfrm>
+          <a:prstGeom prst="rect">
+            <a:avLst/>
+          </a:prstGeom>
+          <a:noFill/>
+        </p:spPr>
+        <p:txBody>
+          <a:bodyPr wrap="square" rtlCol="0">
+            <a:spAutoFit/>
+          </a:bodyPr>
+          <a:lstStyle/>
+          <a:p>
+            <a:r>
+              <a:rPr lang="zh-CN" altLang="en-US" dirty="0"/>
+              <a:t>代码：</a:t>
+            </a:r>
+          </a:p>
+        </p:txBody>
+      </p:sp>
+      <p:sp>
+        <p:nvSpPr>
+          <p:cNvPr id="9" name="文本框 8">
+            <a:extLst>
+              <a:ext uri="{FF2B5EF4-FFF2-40B4-BE49-F238E27FC236}">
+                <a16:creationId xmlns:a16="http://schemas.microsoft.com/office/drawing/2014/main" id="{5C4AEB8E-C5AF-4A9E-A2A1-FBBD63639D1F}"/>
+              </a:ext>
+            </a:extLst>
+          </p:cNvPr>
+          <p:cNvSpPr txBox="1"/>
+          <p:nvPr/>
+        </p:nvSpPr>
+        <p:spPr>
+          <a:xfrm>
+            <a:off x="6611424" y="1068228"/>
+            <a:ext cx="1150089" cy="369332"/>
+          </a:xfrm>
+          <a:prstGeom prst="rect">
+            <a:avLst/>
+          </a:prstGeom>
+          <a:noFill/>
+        </p:spPr>
+        <p:txBody>
+          <a:bodyPr wrap="square" rtlCol="0">
+            <a:spAutoFit/>
+          </a:bodyPr>
+          <a:lstStyle/>
+          <a:p>
+            <a:r>
+              <a:rPr lang="zh-CN" altLang="en-US" dirty="0"/>
+              <a:t>运行结果：</a:t>
+            </a:r>
+          </a:p>
+        </p:txBody>
+      </p:sp>
+      <p:sp>
+        <p:nvSpPr>
+          <p:cNvPr id="10" name="文本框 9">
+            <a:extLst>
+              <a:ext uri="{FF2B5EF4-FFF2-40B4-BE49-F238E27FC236}">
+                <a16:creationId xmlns:a16="http://schemas.microsoft.com/office/drawing/2014/main" id="{5CFB4C5E-46F3-4DA5-AC9E-B1CE41E3467A}"/>
+              </a:ext>
+            </a:extLst>
+          </p:cNvPr>
+          <p:cNvSpPr txBox="1"/>
+          <p:nvPr/>
+        </p:nvSpPr>
+        <p:spPr>
+          <a:xfrm>
+            <a:off x="7022637" y="3080678"/>
+            <a:ext cx="3554963" cy="1477328"/>
+          </a:xfrm>
+          <a:prstGeom prst="rect">
+            <a:avLst/>
+          </a:prstGeom>
+          <a:noFill/>
+        </p:spPr>
+        <p:txBody>
+          <a:bodyPr wrap="square" rtlCol="0">
+            <a:spAutoFit/>
+          </a:bodyPr>
+          <a:lstStyle/>
+          <a:p>
+            <a:r>
+              <a:rPr lang="zh-CN" altLang="en-US" dirty="0">
+                <a:solidFill>
+                  <a:srgbClr val="FF0000"/>
+                </a:solidFill>
+              </a:rPr>
+              <a:t>总结：若一个题目涉及到两位或三位甚至高位数的处理，应适当考虑对数字进行取余或去商操作，</a:t>
+            </a:r>
+            <a:endParaRPr lang="en-US" altLang="zh-CN" dirty="0">
+              <a:solidFill>
+                <a:srgbClr val="FF0000"/>
+              </a:solidFill>
+            </a:endParaRPr>
+          </a:p>
+          <a:p>
+            <a:r>
+              <a:rPr lang="zh-CN" altLang="en-US" dirty="0">
+                <a:solidFill>
+                  <a:srgbClr val="FF0000"/>
+                </a:solidFill>
+              </a:rPr>
+              <a:t>分离出每一位数字后再根据题意进行处理</a:t>
+            </a:r>
           </a:p>
         </p:txBody>
       </p:sp>
@@ -3449,9 +4159,16 @@
             <p:ph type="title"/>
           </p:nvPr>
         </p:nvSpPr>
-        <p:spPr/>
-        <p:txBody>
-          <a:bodyPr/>
+        <p:spPr>
+          <a:xfrm>
+            <a:off x="679579" y="55706"/>
+            <a:ext cx="10515600" cy="595928"/>
+          </a:xfrm>
+        </p:spPr>
+        <p:txBody>
+          <a:bodyPr>
+            <a:normAutofit fontScale="90000"/>
+          </a:bodyPr>
           <a:lstStyle/>
           <a:p>
             <a:r>
@@ -3461,35 +4178,318 @@
           </a:p>
         </p:txBody>
       </p:sp>
-      <p:sp>
-        <p:nvSpPr>
-          <p:cNvPr id="3" name="内容占位符 2">
-            <a:extLst>
-              <a:ext uri="{FF2B5EF4-FFF2-40B4-BE49-F238E27FC236}">
-                <a16:creationId xmlns:a16="http://schemas.microsoft.com/office/drawing/2014/main" id="{D449F318-A198-48D1-96C2-C941BFCA0E64}"/>
-              </a:ext>
-            </a:extLst>
-          </p:cNvPr>
-          <p:cNvSpPr>
-            <a:spLocks noGrp="1"/>
-          </p:cNvSpPr>
-          <p:nvPr>
-            <p:ph idx="1"/>
-          </p:nvPr>
-        </p:nvSpPr>
+      <p:pic>
+        <p:nvPicPr>
+          <p:cNvPr id="5" name="图片 4">
+            <a:extLst>
+              <a:ext uri="{FF2B5EF4-FFF2-40B4-BE49-F238E27FC236}">
+                <a16:creationId xmlns:a16="http://schemas.microsoft.com/office/drawing/2014/main" id="{8257391F-FF7E-44C8-BE68-25C85D1BD552}"/>
+              </a:ext>
+            </a:extLst>
+          </p:cNvPr>
+          <p:cNvPicPr>
+            <a:picLocks noChangeAspect="1"/>
+          </p:cNvPicPr>
+          <p:nvPr/>
+        </p:nvPicPr>
+        <p:blipFill>
+          <a:blip r:embed="rId2"/>
+          <a:stretch>
+            <a:fillRect/>
+          </a:stretch>
+        </p:blipFill>
         <p:spPr>
           <a:xfrm>
-            <a:off x="838200" y="5794309"/>
-            <a:ext cx="10515600" cy="382653"/>
+            <a:off x="5869525" y="2269280"/>
+            <a:ext cx="4807629" cy="2630105"/>
           </a:xfrm>
+          <a:prstGeom prst="rect">
+            <a:avLst/>
+          </a:prstGeom>
         </p:spPr>
-        <p:txBody>
-          <a:bodyPr>
-            <a:normAutofit fontScale="85000" lnSpcReduction="20000"/>
+      </p:pic>
+      <p:pic>
+        <p:nvPicPr>
+          <p:cNvPr id="6" name="图片 5">
+            <a:extLst>
+              <a:ext uri="{FF2B5EF4-FFF2-40B4-BE49-F238E27FC236}">
+                <a16:creationId xmlns:a16="http://schemas.microsoft.com/office/drawing/2014/main" id="{ABBDAA87-351E-40B2-BC68-60413053A9DF}"/>
+              </a:ext>
+            </a:extLst>
+          </p:cNvPr>
+          <p:cNvPicPr>
+            <a:picLocks noChangeAspect="1"/>
+          </p:cNvPicPr>
+          <p:nvPr/>
+        </p:nvPicPr>
+        <p:blipFill>
+          <a:blip r:embed="rId3"/>
+          <a:stretch>
+            <a:fillRect/>
+          </a:stretch>
+        </p:blipFill>
+        <p:spPr>
+          <a:xfrm>
+            <a:off x="616455" y="2075398"/>
+            <a:ext cx="4965441" cy="2630104"/>
+          </a:xfrm>
+          <a:prstGeom prst="rect">
+            <a:avLst/>
+          </a:prstGeom>
+        </p:spPr>
+      </p:pic>
+      <p:sp>
+        <p:nvSpPr>
+          <p:cNvPr id="7" name="文本框 6">
+            <a:extLst>
+              <a:ext uri="{FF2B5EF4-FFF2-40B4-BE49-F238E27FC236}">
+                <a16:creationId xmlns:a16="http://schemas.microsoft.com/office/drawing/2014/main" id="{BF4ECF75-6C9D-47D8-A059-FF5D5B9784A9}"/>
+              </a:ext>
+            </a:extLst>
+          </p:cNvPr>
+          <p:cNvSpPr txBox="1"/>
+          <p:nvPr/>
+        </p:nvSpPr>
+        <p:spPr>
+          <a:xfrm>
+            <a:off x="500696" y="1608203"/>
+            <a:ext cx="4965440" cy="369332"/>
+          </a:xfrm>
+          <a:prstGeom prst="rect">
+            <a:avLst/>
+          </a:prstGeom>
+          <a:noFill/>
+        </p:spPr>
+        <p:txBody>
+          <a:bodyPr wrap="square" rtlCol="0">
+            <a:spAutoFit/>
           </a:bodyPr>
           <a:lstStyle/>
           <a:p>
-            <a:endParaRPr lang="zh-CN" altLang="en-US" dirty="0"/>
+            <a:r>
+              <a:rPr lang="zh-CN" altLang="en-US" dirty="0"/>
+              <a:t>思路</a:t>
+            </a:r>
+            <a:r>
+              <a:rPr lang="en-US" altLang="zh-CN" dirty="0"/>
+              <a:t>1</a:t>
+            </a:r>
+            <a:r>
+              <a:rPr lang="zh-CN" altLang="en-US" dirty="0"/>
+              <a:t>：逐个输入奖牌数量，再用变量逐个接收</a:t>
+            </a:r>
+          </a:p>
+        </p:txBody>
+      </p:sp>
+      <p:sp>
+        <p:nvSpPr>
+          <p:cNvPr id="8" name="文本框 7">
+            <a:extLst>
+              <a:ext uri="{FF2B5EF4-FFF2-40B4-BE49-F238E27FC236}">
+                <a16:creationId xmlns:a16="http://schemas.microsoft.com/office/drawing/2014/main" id="{FB73FD67-05AF-4F3C-A750-B8A88CAE47C8}"/>
+              </a:ext>
+            </a:extLst>
+          </p:cNvPr>
+          <p:cNvSpPr txBox="1"/>
+          <p:nvPr/>
+        </p:nvSpPr>
+        <p:spPr>
+          <a:xfrm>
+            <a:off x="5711714" y="1593544"/>
+            <a:ext cx="4965440" cy="646331"/>
+          </a:xfrm>
+          <a:prstGeom prst="rect">
+            <a:avLst/>
+          </a:prstGeom>
+          <a:noFill/>
+        </p:spPr>
+        <p:txBody>
+          <a:bodyPr wrap="square" rtlCol="0">
+            <a:spAutoFit/>
+          </a:bodyPr>
+          <a:lstStyle/>
+          <a:p>
+            <a:r>
+              <a:rPr lang="zh-CN" altLang="en-US" dirty="0"/>
+              <a:t>思路</a:t>
+            </a:r>
+            <a:r>
+              <a:rPr lang="en-US" altLang="zh-CN" dirty="0"/>
+              <a:t>2</a:t>
+            </a:r>
+            <a:r>
+              <a:rPr lang="zh-CN" altLang="en-US" dirty="0"/>
+              <a:t>：用数组接收奖牌数，行表示天数，列分别表示各奖牌的数量，最后进行累加</a:t>
+            </a:r>
+          </a:p>
+        </p:txBody>
+      </p:sp>
+      <p:pic>
+        <p:nvPicPr>
+          <p:cNvPr id="9" name="图片 8">
+            <a:extLst>
+              <a:ext uri="{FF2B5EF4-FFF2-40B4-BE49-F238E27FC236}">
+                <a16:creationId xmlns:a16="http://schemas.microsoft.com/office/drawing/2014/main" id="{4BA521E9-4BAA-473D-8024-40D06CE64686}"/>
+              </a:ext>
+            </a:extLst>
+          </p:cNvPr>
+          <p:cNvPicPr>
+            <a:picLocks noChangeAspect="1"/>
+          </p:cNvPicPr>
+          <p:nvPr/>
+        </p:nvPicPr>
+        <p:blipFill>
+          <a:blip r:embed="rId4"/>
+          <a:stretch>
+            <a:fillRect/>
+          </a:stretch>
+        </p:blipFill>
+        <p:spPr>
+          <a:xfrm>
+            <a:off x="838200" y="4955966"/>
+            <a:ext cx="4290432" cy="1653683"/>
+          </a:xfrm>
+          <a:prstGeom prst="rect">
+            <a:avLst/>
+          </a:prstGeom>
+        </p:spPr>
+      </p:pic>
+      <p:sp>
+        <p:nvSpPr>
+          <p:cNvPr id="10" name="文本框 9">
+            <a:extLst>
+              <a:ext uri="{FF2B5EF4-FFF2-40B4-BE49-F238E27FC236}">
+                <a16:creationId xmlns:a16="http://schemas.microsoft.com/office/drawing/2014/main" id="{E4539122-7B0F-45C4-89FD-E11E56941787}"/>
+              </a:ext>
+            </a:extLst>
+          </p:cNvPr>
+          <p:cNvSpPr txBox="1"/>
+          <p:nvPr/>
+        </p:nvSpPr>
+        <p:spPr>
+          <a:xfrm>
+            <a:off x="83976" y="4218634"/>
+            <a:ext cx="595603" cy="1200329"/>
+          </a:xfrm>
+          <a:prstGeom prst="rect">
+            <a:avLst/>
+          </a:prstGeom>
+          <a:noFill/>
+        </p:spPr>
+        <p:txBody>
+          <a:bodyPr wrap="square" rtlCol="0">
+            <a:spAutoFit/>
+          </a:bodyPr>
+          <a:lstStyle/>
+          <a:p>
+            <a:r>
+              <a:rPr lang="zh-CN" altLang="en-US" dirty="0"/>
+              <a:t>运行结果</a:t>
+            </a:r>
+          </a:p>
+        </p:txBody>
+      </p:sp>
+      <p:pic>
+        <p:nvPicPr>
+          <p:cNvPr id="11" name="图片 10">
+            <a:extLst>
+              <a:ext uri="{FF2B5EF4-FFF2-40B4-BE49-F238E27FC236}">
+                <a16:creationId xmlns:a16="http://schemas.microsoft.com/office/drawing/2014/main" id="{152996D5-F413-48A3-80B7-E9C54F104425}"/>
+              </a:ext>
+            </a:extLst>
+          </p:cNvPr>
+          <p:cNvPicPr>
+            <a:picLocks noChangeAspect="1"/>
+          </p:cNvPicPr>
+          <p:nvPr/>
+        </p:nvPicPr>
+        <p:blipFill>
+          <a:blip r:embed="rId5"/>
+          <a:stretch>
+            <a:fillRect/>
+          </a:stretch>
+        </p:blipFill>
+        <p:spPr>
+          <a:xfrm>
+            <a:off x="250137" y="831088"/>
+            <a:ext cx="11760148" cy="813202"/>
+          </a:xfrm>
+          <a:prstGeom prst="rect">
+            <a:avLst/>
+          </a:prstGeom>
+        </p:spPr>
+      </p:pic>
+      <p:sp>
+        <p:nvSpPr>
+          <p:cNvPr id="12" name="文本框 11">
+            <a:extLst>
+              <a:ext uri="{FF2B5EF4-FFF2-40B4-BE49-F238E27FC236}">
+                <a16:creationId xmlns:a16="http://schemas.microsoft.com/office/drawing/2014/main" id="{87631289-5DEB-488E-A431-36A7B9120E91}"/>
+              </a:ext>
+            </a:extLst>
+          </p:cNvPr>
+          <p:cNvSpPr txBox="1"/>
+          <p:nvPr/>
+        </p:nvSpPr>
+        <p:spPr>
+          <a:xfrm>
+            <a:off x="83976" y="651634"/>
+            <a:ext cx="754224" cy="369332"/>
+          </a:xfrm>
+          <a:prstGeom prst="rect">
+            <a:avLst/>
+          </a:prstGeom>
+          <a:noFill/>
+        </p:spPr>
+        <p:txBody>
+          <a:bodyPr wrap="square" rtlCol="0">
+            <a:spAutoFit/>
+          </a:bodyPr>
+          <a:lstStyle/>
+          <a:p>
+            <a:r>
+              <a:rPr lang="zh-CN" altLang="en-US" dirty="0"/>
+              <a:t>题目：</a:t>
+            </a:r>
+          </a:p>
+        </p:txBody>
+      </p:sp>
+      <p:sp>
+        <p:nvSpPr>
+          <p:cNvPr id="14" name="文本框 13">
+            <a:extLst>
+              <a:ext uri="{FF2B5EF4-FFF2-40B4-BE49-F238E27FC236}">
+                <a16:creationId xmlns:a16="http://schemas.microsoft.com/office/drawing/2014/main" id="{B7DE0FE2-9DF1-40BA-921D-AF0757AE3EB7}"/>
+              </a:ext>
+            </a:extLst>
+          </p:cNvPr>
+          <p:cNvSpPr txBox="1"/>
+          <p:nvPr/>
+        </p:nvSpPr>
+        <p:spPr>
+          <a:xfrm>
+            <a:off x="5711714" y="5234473"/>
+            <a:ext cx="4365347" cy="923330"/>
+          </a:xfrm>
+          <a:prstGeom prst="rect">
+            <a:avLst/>
+          </a:prstGeom>
+          <a:noFill/>
+        </p:spPr>
+        <p:txBody>
+          <a:bodyPr wrap="square" rtlCol="0">
+            <a:spAutoFit/>
+          </a:bodyPr>
+          <a:lstStyle/>
+          <a:p>
+            <a:r>
+              <a:rPr lang="zh-CN" altLang="en-US" dirty="0">
+                <a:solidFill>
+                  <a:srgbClr val="FF0000"/>
+                </a:solidFill>
+              </a:rPr>
+              <a:t>总结：当题目要求对多个数字进行操作时，数组时较好操作，也是较好理解的一种方法</a:t>
+            </a:r>
           </a:p>
         </p:txBody>
       </p:sp>
@@ -3528,7 +4528,7 @@
           <p:cNvPr id="2" name="标题 1">
             <a:extLst>
               <a:ext uri="{FF2B5EF4-FFF2-40B4-BE49-F238E27FC236}">
-                <a16:creationId xmlns:a16="http://schemas.microsoft.com/office/drawing/2014/main" id="{6DD70854-F276-4E72-B7B7-C8EA75324926}"/>
+                <a16:creationId xmlns:a16="http://schemas.microsoft.com/office/drawing/2014/main" id="{89CE4F20-A8EB-44AE-9ADB-29CF48441748}"/>
               </a:ext>
             </a:extLst>
           </p:cNvPr>
@@ -3539,154 +4539,22 @@
             <p:ph type="title"/>
           </p:nvPr>
         </p:nvSpPr>
-        <p:spPr/>
-        <p:txBody>
-          <a:bodyPr/>
-          <a:lstStyle/>
-          <a:p>
-            <a:r>
-              <a:rPr lang="zh-CN" altLang="en-US" dirty="0"/>
-              <a:t>能被</a:t>
-            </a:r>
-            <a:r>
-              <a:rPr lang="en-US" altLang="zh-CN" dirty="0"/>
-              <a:t>3</a:t>
-            </a:r>
-            <a:r>
-              <a:rPr lang="zh-CN" altLang="en-US" dirty="0"/>
-              <a:t>，</a:t>
-            </a:r>
-            <a:r>
-              <a:rPr lang="en-US" altLang="zh-CN" dirty="0"/>
-              <a:t>5</a:t>
-            </a:r>
-            <a:r>
-              <a:rPr lang="zh-CN" altLang="en-US" dirty="0"/>
-              <a:t>，</a:t>
-            </a:r>
-            <a:r>
-              <a:rPr lang="en-US" altLang="zh-CN" dirty="0"/>
-              <a:t>7</a:t>
-            </a:r>
-            <a:r>
-              <a:rPr lang="zh-CN" altLang="en-US" dirty="0"/>
-              <a:t>整除的数</a:t>
-            </a:r>
-          </a:p>
-        </p:txBody>
-      </p:sp>
-      <p:sp>
-        <p:nvSpPr>
-          <p:cNvPr id="3" name="内容占位符 2">
-            <a:extLst>
-              <a:ext uri="{FF2B5EF4-FFF2-40B4-BE49-F238E27FC236}">
-                <a16:creationId xmlns:a16="http://schemas.microsoft.com/office/drawing/2014/main" id="{606E9D0B-033A-47D5-88FA-3A4A8FBC116D}"/>
-              </a:ext>
-            </a:extLst>
-          </p:cNvPr>
-          <p:cNvSpPr>
-            <a:spLocks noGrp="1"/>
-          </p:cNvSpPr>
-          <p:nvPr>
-            <p:ph idx="1"/>
-          </p:nvPr>
-        </p:nvSpPr>
-        <p:spPr/>
-        <p:txBody>
-          <a:bodyPr/>
-          <a:lstStyle/>
-          <a:p>
-            <a:endParaRPr lang="zh-CN" altLang="en-US" dirty="0"/>
-          </a:p>
-        </p:txBody>
-      </p:sp>
-    </p:spTree>
-    <p:extLst>
-      <p:ext uri="{BB962C8B-B14F-4D97-AF65-F5344CB8AC3E}">
-        <p14:creationId xmlns:p14="http://schemas.microsoft.com/office/powerpoint/2010/main" val="3104253215"/>
-      </p:ext>
-    </p:extLst>
-  </p:cSld>
-  <p:clrMapOvr>
-    <a:masterClrMapping/>
-  </p:clrMapOvr>
-</p:sld>
-</file>
-
-<file path=ppt/slides/slide4.xml><?xml version="1.0" encoding="utf-8"?>
-<p:sld xmlns:a="http://schemas.openxmlformats.org/drawingml/2006/main" xmlns:r="http://schemas.openxmlformats.org/officeDocument/2006/relationships" xmlns:p="http://schemas.openxmlformats.org/presentationml/2006/main">
-  <p:cSld>
-    <p:spTree>
-      <p:nvGrpSpPr>
-        <p:cNvPr id="1" name=""/>
-        <p:cNvGrpSpPr/>
-        <p:nvPr/>
-      </p:nvGrpSpPr>
-      <p:grpSpPr>
-        <a:xfrm>
-          <a:off x="0" y="0"/>
-          <a:ext cx="0" cy="0"/>
-          <a:chOff x="0" y="0"/>
-          <a:chExt cx="0" cy="0"/>
-        </a:xfrm>
-      </p:grpSpPr>
-      <p:sp>
-        <p:nvSpPr>
-          <p:cNvPr id="2" name="标题 1">
-            <a:extLst>
-              <a:ext uri="{FF2B5EF4-FFF2-40B4-BE49-F238E27FC236}">
-                <a16:creationId xmlns:a16="http://schemas.microsoft.com/office/drawing/2014/main" id="{89CE4F20-A8EB-44AE-9ADB-29CF48441748}"/>
-              </a:ext>
-            </a:extLst>
-          </p:cNvPr>
-          <p:cNvSpPr>
-            <a:spLocks noGrp="1"/>
-          </p:cNvSpPr>
-          <p:nvPr>
-            <p:ph type="title"/>
-          </p:nvPr>
-        </p:nvSpPr>
-        <p:spPr/>
-        <p:txBody>
-          <a:bodyPr/>
-          <a:lstStyle/>
-          <a:p>
-            <a:r>
-              <a:rPr lang="zh-CN" altLang="en-US" dirty="0"/>
-              <a:t>冒泡排序</a:t>
-            </a:r>
-          </a:p>
-        </p:txBody>
-      </p:sp>
-      <p:sp>
-        <p:nvSpPr>
-          <p:cNvPr id="3" name="内容占位符 2">
-            <a:extLst>
-              <a:ext uri="{FF2B5EF4-FFF2-40B4-BE49-F238E27FC236}">
-                <a16:creationId xmlns:a16="http://schemas.microsoft.com/office/drawing/2014/main" id="{626015E7-CFE9-4CFE-B1C3-818768D2966B}"/>
-              </a:ext>
-            </a:extLst>
-          </p:cNvPr>
-          <p:cNvSpPr>
-            <a:spLocks noGrp="1"/>
-          </p:cNvSpPr>
-          <p:nvPr>
-            <p:ph idx="1"/>
-          </p:nvPr>
-        </p:nvSpPr>
         <p:spPr>
-          <a:xfrm flipV="1">
-            <a:off x="838200" y="6176962"/>
-            <a:ext cx="10515600" cy="139861"/>
+          <a:xfrm>
+            <a:off x="294290" y="93306"/>
+            <a:ext cx="5472028" cy="686529"/>
           </a:xfrm>
         </p:spPr>
         <p:txBody>
           <a:bodyPr>
-            <a:normAutofit fontScale="25000" lnSpcReduction="20000"/>
+            <a:normAutofit fontScale="90000"/>
           </a:bodyPr>
           <a:lstStyle/>
           <a:p>
-            <a:endParaRPr lang="zh-CN" altLang="en-US" dirty="0"/>
+            <a:r>
+              <a:rPr lang="zh-CN" altLang="en-US" dirty="0"/>
+              <a:t>冒泡排序与选择排序</a:t>
+            </a:r>
           </a:p>
         </p:txBody>
       </p:sp>
@@ -3705,15 +4573,171 @@
           <p:nvPr/>
         </p:nvPicPr>
         <p:blipFill>
-          <a:blip r:embed="rId2"/>
+          <a:blip r:embed="rId3"/>
           <a:stretch>
             <a:fillRect/>
           </a:stretch>
         </p:blipFill>
         <p:spPr>
           <a:xfrm>
-            <a:off x="322283" y="1480761"/>
-            <a:ext cx="5994542" cy="4169850"/>
+            <a:off x="1068577" y="690465"/>
+            <a:ext cx="4117978" cy="2864498"/>
+          </a:xfrm>
+          <a:prstGeom prst="rect">
+            <a:avLst/>
+          </a:prstGeom>
+        </p:spPr>
+      </p:pic>
+      <p:sp>
+        <p:nvSpPr>
+          <p:cNvPr id="6" name="文本框 5">
+            <a:extLst>
+              <a:ext uri="{FF2B5EF4-FFF2-40B4-BE49-F238E27FC236}">
+                <a16:creationId xmlns:a16="http://schemas.microsoft.com/office/drawing/2014/main" id="{12B97F71-E7A4-4F9B-B8B8-505E9D6BD20B}"/>
+              </a:ext>
+            </a:extLst>
+          </p:cNvPr>
+          <p:cNvSpPr txBox="1"/>
+          <p:nvPr/>
+        </p:nvSpPr>
+        <p:spPr>
+          <a:xfrm>
+            <a:off x="5617029" y="690465"/>
+            <a:ext cx="2939143" cy="2031325"/>
+          </a:xfrm>
+          <a:prstGeom prst="rect">
+            <a:avLst/>
+          </a:prstGeom>
+          <a:noFill/>
+        </p:spPr>
+        <p:txBody>
+          <a:bodyPr wrap="square" rtlCol="0">
+            <a:spAutoFit/>
+          </a:bodyPr>
+          <a:lstStyle/>
+          <a:p>
+            <a:r>
+              <a:rPr lang="zh-CN" altLang="en-US" dirty="0">
+                <a:solidFill>
+                  <a:srgbClr val="FF0000"/>
+                </a:solidFill>
+              </a:rPr>
+              <a:t>原理：从数组的第一个元素开始，把相邻的两个元素进行比较，若后一个元素比前一个元素的值更小，则交换两个元素的值，重复进行</a:t>
+            </a:r>
+            <a:r>
+              <a:rPr lang="en-US" altLang="zh-CN" dirty="0">
+                <a:solidFill>
+                  <a:srgbClr val="FF0000"/>
+                </a:solidFill>
+              </a:rPr>
+              <a:t>n(</a:t>
+            </a:r>
+            <a:r>
+              <a:rPr lang="zh-CN" altLang="en-US" dirty="0">
+                <a:solidFill>
+                  <a:srgbClr val="FF0000"/>
+                </a:solidFill>
+              </a:rPr>
+              <a:t>数组的长度</a:t>
+            </a:r>
+            <a:r>
+              <a:rPr lang="en-US" altLang="zh-CN" dirty="0">
+                <a:solidFill>
+                  <a:srgbClr val="FF0000"/>
+                </a:solidFill>
+              </a:rPr>
+              <a:t>) – 1</a:t>
+            </a:r>
+            <a:r>
+              <a:rPr lang="zh-CN" altLang="en-US" dirty="0">
+                <a:solidFill>
+                  <a:srgbClr val="FF0000"/>
+                </a:solidFill>
+              </a:rPr>
+              <a:t>次，即可对数组中的元素完成排序</a:t>
+            </a:r>
+          </a:p>
+        </p:txBody>
+      </p:sp>
+      <p:sp>
+        <p:nvSpPr>
+          <p:cNvPr id="7" name="文本框 6">
+            <a:extLst>
+              <a:ext uri="{FF2B5EF4-FFF2-40B4-BE49-F238E27FC236}">
+                <a16:creationId xmlns:a16="http://schemas.microsoft.com/office/drawing/2014/main" id="{6C6F40E6-A216-4A07-9CCD-2EE2519C424B}"/>
+              </a:ext>
+            </a:extLst>
+          </p:cNvPr>
+          <p:cNvSpPr txBox="1"/>
+          <p:nvPr/>
+        </p:nvSpPr>
+        <p:spPr>
+          <a:xfrm>
+            <a:off x="8537511" y="2721790"/>
+            <a:ext cx="2845837" cy="2585323"/>
+          </a:xfrm>
+          <a:prstGeom prst="rect">
+            <a:avLst/>
+          </a:prstGeom>
+          <a:noFill/>
+        </p:spPr>
+        <p:txBody>
+          <a:bodyPr wrap="square" rtlCol="0">
+            <a:spAutoFit/>
+          </a:bodyPr>
+          <a:lstStyle/>
+          <a:p>
+            <a:r>
+              <a:rPr lang="zh-CN" altLang="en-US" dirty="0">
+                <a:solidFill>
+                  <a:schemeClr val="accent2"/>
+                </a:solidFill>
+              </a:rPr>
+              <a:t>与选择排序的不同：选择排序法是利用循环找到最小值所在下标，再将该下标的元素依次赋给数组的从第一个开始的元素，与冒泡排序的不同点在于，他是对元素下标进行处理</a:t>
+            </a:r>
+            <a:r>
+              <a:rPr lang="en-US" altLang="zh-CN" dirty="0">
+                <a:solidFill>
+                  <a:schemeClr val="accent2"/>
+                </a:solidFill>
+              </a:rPr>
+              <a:t>,</a:t>
+            </a:r>
+            <a:r>
+              <a:rPr lang="zh-CN" altLang="en-US" dirty="0">
+                <a:solidFill>
+                  <a:schemeClr val="accent2"/>
+                </a:solidFill>
+              </a:rPr>
+              <a:t>而冒泡排序是对数组的值进行处理。</a:t>
+            </a:r>
+          </a:p>
+        </p:txBody>
+      </p:sp>
+      <p:pic>
+        <p:nvPicPr>
+          <p:cNvPr id="8" name="图片 7">
+            <a:extLst>
+              <a:ext uri="{FF2B5EF4-FFF2-40B4-BE49-F238E27FC236}">
+                <a16:creationId xmlns:a16="http://schemas.microsoft.com/office/drawing/2014/main" id="{8A7F9633-0EE8-4C89-AC42-05287E533D52}"/>
+              </a:ext>
+            </a:extLst>
+          </p:cNvPr>
+          <p:cNvPicPr>
+            <a:picLocks noChangeAspect="1"/>
+          </p:cNvPicPr>
+          <p:nvPr/>
+        </p:nvPicPr>
+        <p:blipFill>
+          <a:blip r:embed="rId4"/>
+          <a:stretch>
+            <a:fillRect/>
+          </a:stretch>
+        </p:blipFill>
+        <p:spPr>
+          <a:xfrm>
+            <a:off x="808652" y="3554963"/>
+            <a:ext cx="5078964" cy="3229282"/>
           </a:xfrm>
           <a:prstGeom prst="rect">
             <a:avLst/>
@@ -4026,4 +5050,299 @@
     </a:ext>
   </a:extLst>
 </a:theme>
+</file>
+
+<file path=ppt/theme/theme2.xml><?xml version="1.0" encoding="utf-8"?>
+<a:theme xmlns:a="http://schemas.openxmlformats.org/drawingml/2006/main" name="Office 主题​​">
+  <a:themeElements>
+    <a:clrScheme name="Office">
+      <a:dk1>
+        <a:sysClr val="windowText" lastClr="000000"/>
+      </a:dk1>
+      <a:lt1>
+        <a:sysClr val="window" lastClr="FFFFFF"/>
+      </a:lt1>
+      <a:dk2>
+        <a:srgbClr val="44546A"/>
+      </a:dk2>
+      <a:lt2>
+        <a:srgbClr val="E7E6E6"/>
+      </a:lt2>
+      <a:accent1>
+        <a:srgbClr val="4472C4"/>
+      </a:accent1>
+      <a:accent2>
+        <a:srgbClr val="ED7D31"/>
+      </a:accent2>
+      <a:accent3>
+        <a:srgbClr val="A5A5A5"/>
+      </a:accent3>
+      <a:accent4>
+        <a:srgbClr val="FFC000"/>
+      </a:accent4>
+      <a:accent5>
+        <a:srgbClr val="5B9BD5"/>
+      </a:accent5>
+      <a:accent6>
+        <a:srgbClr val="70AD47"/>
+      </a:accent6>
+      <a:hlink>
+        <a:srgbClr val="0563C1"/>
+      </a:hlink>
+      <a:folHlink>
+        <a:srgbClr val="954F72"/>
+      </a:folHlink>
+    </a:clrScheme>
+    <a:fontScheme name="Office">
+      <a:majorFont>
+        <a:latin typeface="等线 Light" panose="020F0302020204030204"/>
+        <a:ea typeface=""/>
+        <a:cs typeface=""/>
+        <a:font script="Jpan" typeface="游ゴシック Light"/>
+        <a:font script="Hang" typeface="맑은 고딕"/>
+        <a:font script="Hans" typeface="等线 Light"/>
+        <a:font script="Hant" typeface="新細明體"/>
+        <a:font script="Arab" typeface="Times New Roman"/>
+        <a:font script="Hebr" typeface="Times New Roman"/>
+        <a:font script="Thai" typeface="Angsana New"/>
+        <a:font script="Ethi" typeface="Nyala"/>
+        <a:font script="Beng" typeface="Vrinda"/>
+        <a:font script="Gujr" typeface="Shruti"/>
+        <a:font script="Khmr" typeface="MoolBoran"/>
+        <a:font script="Knda" typeface="Tunga"/>
+        <a:font script="Guru" typeface="Raavi"/>
+        <a:font script="Cans" typeface="Euphemia"/>
+        <a:font script="Cher" typeface="Plantagenet Cherokee"/>
+        <a:font script="Yiii" typeface="Microsoft Yi Baiti"/>
+        <a:font script="Tibt" typeface="Microsoft Himalaya"/>
+        <a:font script="Thaa" typeface="MV Boli"/>
+        <a:font script="Deva" typeface="Mangal"/>
+        <a:font script="Telu" typeface="Gautami"/>
+        <a:font script="Taml" typeface="Latha"/>
+        <a:font script="Syrc" typeface="Estrangelo Edessa"/>
+        <a:font script="Orya" typeface="Kalinga"/>
+        <a:font script="Mlym" typeface="Kartika"/>
+        <a:font script="Laoo" typeface="DokChampa"/>
+        <a:font script="Sinh" typeface="Iskoola Pota"/>
+        <a:font script="Mong" typeface="Mongolian Baiti"/>
+        <a:font script="Viet" typeface="Times New Roman"/>
+        <a:font script="Uigh" typeface="Microsoft Uighur"/>
+        <a:font script="Geor" typeface="Sylfaen"/>
+        <a:font script="Armn" typeface="Arial"/>
+        <a:font script="Bugi" typeface="Leelawadee UI"/>
+        <a:font script="Bopo" typeface="Microsoft JhengHei"/>
+        <a:font script="Java" typeface="Javanese Text"/>
+        <a:font script="Lisu" typeface="Segoe UI"/>
+        <a:font script="Mymr" typeface="Myanmar Text"/>
+        <a:font script="Nkoo" typeface="Ebrima"/>
+        <a:font script="Olck" typeface="Nirmala UI"/>
+        <a:font script="Osma" typeface="Ebrima"/>
+        <a:font script="Phag" typeface="Phagspa"/>
+        <a:font script="Syrn" typeface="Estrangelo Edessa"/>
+        <a:font script="Syrj" typeface="Estrangelo Edessa"/>
+        <a:font script="Syre" typeface="Estrangelo Edessa"/>
+        <a:font script="Sora" typeface="Nirmala UI"/>
+        <a:font script="Tale" typeface="Microsoft Tai Le"/>
+        <a:font script="Talu" typeface="Microsoft New Tai Lue"/>
+        <a:font script="Tfng" typeface="Ebrima"/>
+      </a:majorFont>
+      <a:minorFont>
+        <a:latin typeface="等线" panose="020F0502020204030204"/>
+        <a:ea typeface=""/>
+        <a:cs typeface=""/>
+        <a:font script="Jpan" typeface="游ゴシック"/>
+        <a:font script="Hang" typeface="맑은 고딕"/>
+        <a:font script="Hans" typeface="等线"/>
+        <a:font script="Hant" typeface="新細明體"/>
+        <a:font script="Arab" typeface="Arial"/>
+        <a:font script="Hebr" typeface="Arial"/>
+        <a:font script="Thai" typeface="Cordia New"/>
+        <a:font script="Ethi" typeface="Nyala"/>
+        <a:font script="Beng" typeface="Vrinda"/>
+        <a:font script="Gujr" typeface="Shruti"/>
+        <a:font script="Khmr" typeface="DaunPenh"/>
+        <a:font script="Knda" typeface="Tunga"/>
+        <a:font script="Guru" typeface="Raavi"/>
+        <a:font script="Cans" typeface="Euphemia"/>
+        <a:font script="Cher" typeface="Plantagenet Cherokee"/>
+        <a:font script="Yiii" typeface="Microsoft Yi Baiti"/>
+        <a:font script="Tibt" typeface="Microsoft Himalaya"/>
+        <a:font script="Thaa" typeface="MV Boli"/>
+        <a:font script="Deva" typeface="Mangal"/>
+        <a:font script="Telu" typeface="Gautami"/>
+        <a:font script="Taml" typeface="Latha"/>
+        <a:font script="Syrc" typeface="Estrangelo Edessa"/>
+        <a:font script="Orya" typeface="Kalinga"/>
+        <a:font script="Mlym" typeface="Kartika"/>
+        <a:font script="Laoo" typeface="DokChampa"/>
+        <a:font script="Sinh" typeface="Iskoola Pota"/>
+        <a:font script="Mong" typeface="Mongolian Baiti"/>
+        <a:font script="Viet" typeface="Arial"/>
+        <a:font script="Uigh" typeface="Microsoft Uighur"/>
+        <a:font script="Geor" typeface="Sylfaen"/>
+        <a:font script="Armn" typeface="Arial"/>
+        <a:font script="Bugi" typeface="Leelawadee UI"/>
+        <a:font script="Bopo" typeface="Microsoft JhengHei"/>
+        <a:font script="Java" typeface="Javanese Text"/>
+        <a:font script="Lisu" typeface="Segoe UI"/>
+        <a:font script="Mymr" typeface="Myanmar Text"/>
+        <a:font script="Nkoo" typeface="Ebrima"/>
+        <a:font script="Olck" typeface="Nirmala UI"/>
+        <a:font script="Osma" typeface="Ebrima"/>
+        <a:font script="Phag" typeface="Phagspa"/>
+        <a:font script="Syrn" typeface="Estrangelo Edessa"/>
+        <a:font script="Syrj" typeface="Estrangelo Edessa"/>
+        <a:font script="Syre" typeface="Estrangelo Edessa"/>
+        <a:font script="Sora" typeface="Nirmala UI"/>
+        <a:font script="Tale" typeface="Microsoft Tai Le"/>
+        <a:font script="Talu" typeface="Microsoft New Tai Lue"/>
+        <a:font script="Tfng" typeface="Ebrima"/>
+      </a:minorFont>
+    </a:fontScheme>
+    <a:fmtScheme name="Office">
+      <a:fillStyleLst>
+        <a:solidFill>
+          <a:schemeClr val="phClr"/>
+        </a:solidFill>
+        <a:gradFill rotWithShape="1">
+          <a:gsLst>
+            <a:gs pos="0">
+              <a:schemeClr val="phClr">
+                <a:lumMod val="110000"/>
+                <a:satMod val="105000"/>
+                <a:tint val="67000"/>
+              </a:schemeClr>
+            </a:gs>
+            <a:gs pos="50000">
+              <a:schemeClr val="phClr">
+                <a:lumMod val="105000"/>
+                <a:satMod val="103000"/>
+                <a:tint val="73000"/>
+              </a:schemeClr>
+            </a:gs>
+            <a:gs pos="100000">
+              <a:schemeClr val="phClr">
+                <a:lumMod val="105000"/>
+                <a:satMod val="109000"/>
+                <a:tint val="81000"/>
+              </a:schemeClr>
+            </a:gs>
+          </a:gsLst>
+          <a:lin ang="5400000" scaled="0"/>
+        </a:gradFill>
+        <a:gradFill rotWithShape="1">
+          <a:gsLst>
+            <a:gs pos="0">
+              <a:schemeClr val="phClr">
+                <a:satMod val="103000"/>
+                <a:lumMod val="102000"/>
+                <a:tint val="94000"/>
+              </a:schemeClr>
+            </a:gs>
+            <a:gs pos="50000">
+              <a:schemeClr val="phClr">
+                <a:satMod val="110000"/>
+                <a:lumMod val="100000"/>
+                <a:shade val="100000"/>
+              </a:schemeClr>
+            </a:gs>
+            <a:gs pos="100000">
+              <a:schemeClr val="phClr">
+                <a:lumMod val="99000"/>
+                <a:satMod val="120000"/>
+                <a:shade val="78000"/>
+              </a:schemeClr>
+            </a:gs>
+          </a:gsLst>
+          <a:lin ang="5400000" scaled="0"/>
+        </a:gradFill>
+      </a:fillStyleLst>
+      <a:lnStyleLst>
+        <a:ln w="6350" cap="flat" cmpd="sng" algn="ctr">
+          <a:solidFill>
+            <a:schemeClr val="phClr"/>
+          </a:solidFill>
+          <a:prstDash val="solid"/>
+          <a:miter lim="800000"/>
+        </a:ln>
+        <a:ln w="12700" cap="flat" cmpd="sng" algn="ctr">
+          <a:solidFill>
+            <a:schemeClr val="phClr"/>
+          </a:solidFill>
+          <a:prstDash val="solid"/>
+          <a:miter lim="800000"/>
+        </a:ln>
+        <a:ln w="19050" cap="flat" cmpd="sng" algn="ctr">
+          <a:solidFill>
+            <a:schemeClr val="phClr"/>
+          </a:solidFill>
+          <a:prstDash val="solid"/>
+          <a:miter lim="800000"/>
+        </a:ln>
+      </a:lnStyleLst>
+      <a:effectStyleLst>
+        <a:effectStyle>
+          <a:effectLst/>
+        </a:effectStyle>
+        <a:effectStyle>
+          <a:effectLst/>
+        </a:effectStyle>
+        <a:effectStyle>
+          <a:effectLst>
+            <a:outerShdw blurRad="57150" dist="19050" dir="5400000" algn="ctr" rotWithShape="0">
+              <a:srgbClr val="000000">
+                <a:alpha val="63000"/>
+              </a:srgbClr>
+            </a:outerShdw>
+          </a:effectLst>
+        </a:effectStyle>
+      </a:effectStyleLst>
+      <a:bgFillStyleLst>
+        <a:solidFill>
+          <a:schemeClr val="phClr"/>
+        </a:solidFill>
+        <a:solidFill>
+          <a:schemeClr val="phClr">
+            <a:tint val="95000"/>
+            <a:satMod val="170000"/>
+          </a:schemeClr>
+        </a:solidFill>
+        <a:gradFill rotWithShape="1">
+          <a:gsLst>
+            <a:gs pos="0">
+              <a:schemeClr val="phClr">
+                <a:tint val="93000"/>
+                <a:satMod val="150000"/>
+                <a:shade val="98000"/>
+                <a:lumMod val="102000"/>
+              </a:schemeClr>
+            </a:gs>
+            <a:gs pos="50000">
+              <a:schemeClr val="phClr">
+                <a:tint val="98000"/>
+                <a:satMod val="130000"/>
+                <a:shade val="90000"/>
+                <a:lumMod val="103000"/>
+              </a:schemeClr>
+            </a:gs>
+            <a:gs pos="100000">
+              <a:schemeClr val="phClr">
+                <a:shade val="63000"/>
+                <a:satMod val="120000"/>
+              </a:schemeClr>
+            </a:gs>
+          </a:gsLst>
+          <a:lin ang="5400000" scaled="0"/>
+        </a:gradFill>
+      </a:bgFillStyleLst>
+    </a:fmtScheme>
+  </a:themeElements>
+  <a:objectDefaults/>
+  <a:extraClrSchemeLst/>
+  <a:extLst>
+    <a:ext uri="{05A4C25C-085E-4340-85A3-A5531E510DB2}">
+      <thm15:themeFamily xmlns:thm15="http://schemas.microsoft.com/office/thememl/2012/main" name="Office Theme" id="{62F939B6-93AF-4DB8-9C6B-D6C7DFDC589F}" vid="{4A3C46E8-61CC-4603-A589-7422A47A8E4A}"/>
+    </a:ext>
+  </a:extLst>
+</a:theme>
 </file>
--- a/20181026-20181102-张雁君.pptx
+++ b/20181026-20181102-张雁君.pptx
@@ -210,7 +210,7 @@
           <a:p>
             <a:fld id="{F0524C2D-93A7-40C9-961D-C47F10D796C4}" type="datetimeFigureOut">
               <a:rPr lang="zh-CN" altLang="en-US" smtClean="0"/>
-              <a:t>2018/10/31</a:t>
+              <a:t>2018/11/1</a:t>
             </a:fld>
             <a:endParaRPr lang="zh-CN" altLang="en-US"/>
           </a:p>
@@ -708,7 +708,7 @@
           <a:p>
             <a:fld id="{BD3FB1B4-40C7-4E61-B4B2-762932AA1D83}" type="datetimeFigureOut">
               <a:rPr lang="zh-CN" altLang="en-US" smtClean="0"/>
-              <a:t>2018/10/31</a:t>
+              <a:t>2018/11/1</a:t>
             </a:fld>
             <a:endParaRPr lang="zh-CN" altLang="en-US"/>
           </a:p>
@@ -906,7 +906,7 @@
           <a:p>
             <a:fld id="{BD3FB1B4-40C7-4E61-B4B2-762932AA1D83}" type="datetimeFigureOut">
               <a:rPr lang="zh-CN" altLang="en-US" smtClean="0"/>
-              <a:t>2018/10/31</a:t>
+              <a:t>2018/11/1</a:t>
             </a:fld>
             <a:endParaRPr lang="zh-CN" altLang="en-US"/>
           </a:p>
@@ -1114,7 +1114,7 @@
           <a:p>
             <a:fld id="{BD3FB1B4-40C7-4E61-B4B2-762932AA1D83}" type="datetimeFigureOut">
               <a:rPr lang="zh-CN" altLang="en-US" smtClean="0"/>
-              <a:t>2018/10/31</a:t>
+              <a:t>2018/11/1</a:t>
             </a:fld>
             <a:endParaRPr lang="zh-CN" altLang="en-US"/>
           </a:p>
@@ -1312,7 +1312,7 @@
           <a:p>
             <a:fld id="{BD3FB1B4-40C7-4E61-B4B2-762932AA1D83}" type="datetimeFigureOut">
               <a:rPr lang="zh-CN" altLang="en-US" smtClean="0"/>
-              <a:t>2018/10/31</a:t>
+              <a:t>2018/11/1</a:t>
             </a:fld>
             <a:endParaRPr lang="zh-CN" altLang="en-US"/>
           </a:p>
@@ -1587,7 +1587,7 @@
           <a:p>
             <a:fld id="{BD3FB1B4-40C7-4E61-B4B2-762932AA1D83}" type="datetimeFigureOut">
               <a:rPr lang="zh-CN" altLang="en-US" smtClean="0"/>
-              <a:t>2018/10/31</a:t>
+              <a:t>2018/11/1</a:t>
             </a:fld>
             <a:endParaRPr lang="zh-CN" altLang="en-US"/>
           </a:p>
@@ -1852,7 +1852,7 @@
           <a:p>
             <a:fld id="{BD3FB1B4-40C7-4E61-B4B2-762932AA1D83}" type="datetimeFigureOut">
               <a:rPr lang="zh-CN" altLang="en-US" smtClean="0"/>
-              <a:t>2018/10/31</a:t>
+              <a:t>2018/11/1</a:t>
             </a:fld>
             <a:endParaRPr lang="zh-CN" altLang="en-US"/>
           </a:p>
@@ -2264,7 +2264,7 @@
           <a:p>
             <a:fld id="{BD3FB1B4-40C7-4E61-B4B2-762932AA1D83}" type="datetimeFigureOut">
               <a:rPr lang="zh-CN" altLang="en-US" smtClean="0"/>
-              <a:t>2018/10/31</a:t>
+              <a:t>2018/11/1</a:t>
             </a:fld>
             <a:endParaRPr lang="zh-CN" altLang="en-US"/>
           </a:p>
@@ -2405,7 +2405,7 @@
           <a:p>
             <a:fld id="{BD3FB1B4-40C7-4E61-B4B2-762932AA1D83}" type="datetimeFigureOut">
               <a:rPr lang="zh-CN" altLang="en-US" smtClean="0"/>
-              <a:t>2018/10/31</a:t>
+              <a:t>2018/11/1</a:t>
             </a:fld>
             <a:endParaRPr lang="zh-CN" altLang="en-US"/>
           </a:p>
@@ -2518,7 +2518,7 @@
           <a:p>
             <a:fld id="{BD3FB1B4-40C7-4E61-B4B2-762932AA1D83}" type="datetimeFigureOut">
               <a:rPr lang="zh-CN" altLang="en-US" smtClean="0"/>
-              <a:t>2018/10/31</a:t>
+              <a:t>2018/11/1</a:t>
             </a:fld>
             <a:endParaRPr lang="zh-CN" altLang="en-US"/>
           </a:p>
@@ -2829,7 +2829,7 @@
           <a:p>
             <a:fld id="{BD3FB1B4-40C7-4E61-B4B2-762932AA1D83}" type="datetimeFigureOut">
               <a:rPr lang="zh-CN" altLang="en-US" smtClean="0"/>
-              <a:t>2018/10/31</a:t>
+              <a:t>2018/11/1</a:t>
             </a:fld>
             <a:endParaRPr lang="zh-CN" altLang="en-US"/>
           </a:p>
@@ -3117,7 +3117,7 @@
           <a:p>
             <a:fld id="{BD3FB1B4-40C7-4E61-B4B2-762932AA1D83}" type="datetimeFigureOut">
               <a:rPr lang="zh-CN" altLang="en-US" smtClean="0"/>
-              <a:t>2018/10/31</a:t>
+              <a:t>2018/11/1</a:t>
             </a:fld>
             <a:endParaRPr lang="zh-CN" altLang="en-US"/>
           </a:p>
@@ -3358,7 +3358,7 @@
           <a:p>
             <a:fld id="{BD3FB1B4-40C7-4E61-B4B2-762932AA1D83}" type="datetimeFigureOut">
               <a:rPr lang="zh-CN" altLang="en-US" smtClean="0"/>
-              <a:t>2018/10/31</a:t>
+              <a:t>2018/11/1</a:t>
             </a:fld>
             <a:endParaRPr lang="zh-CN" altLang="en-US"/>
           </a:p>
@@ -4580,7 +4580,7 @@
         </p:blipFill>
         <p:spPr>
           <a:xfrm>
-            <a:off x="1068577" y="690465"/>
+            <a:off x="808652" y="690465"/>
             <a:ext cx="4117978" cy="2864498"/>
           </a:xfrm>
           <a:prstGeom prst="rect">
@@ -4673,7 +4673,7 @@
         </p:nvSpPr>
         <p:spPr>
           <a:xfrm>
-            <a:off x="8537511" y="2721790"/>
+            <a:off x="8789438" y="725039"/>
             <a:ext cx="2845837" cy="2585323"/>
           </a:xfrm>
           <a:prstGeom prst="rect">
@@ -4736,8 +4736,148 @@
         </p:blipFill>
         <p:spPr>
           <a:xfrm>
-            <a:off x="808652" y="3554963"/>
-            <a:ext cx="5078964" cy="3229282"/>
+            <a:off x="808652" y="3627313"/>
+            <a:ext cx="4556450" cy="3079992"/>
+          </a:xfrm>
+          <a:prstGeom prst="rect">
+            <a:avLst/>
+          </a:prstGeom>
+        </p:spPr>
+      </p:pic>
+      <p:pic>
+        <p:nvPicPr>
+          <p:cNvPr id="3" name="图片 2">
+            <a:extLst>
+              <a:ext uri="{FF2B5EF4-FFF2-40B4-BE49-F238E27FC236}">
+                <a16:creationId xmlns:a16="http://schemas.microsoft.com/office/drawing/2014/main" id="{0A812347-2448-46FE-903B-F885E5560519}"/>
+              </a:ext>
+            </a:extLst>
+          </p:cNvPr>
+          <p:cNvPicPr>
+            <a:picLocks noChangeAspect="1"/>
+          </p:cNvPicPr>
+          <p:nvPr/>
+        </p:nvPicPr>
+        <p:blipFill>
+          <a:blip r:embed="rId5"/>
+          <a:stretch>
+            <a:fillRect/>
+          </a:stretch>
+        </p:blipFill>
+        <p:spPr>
+          <a:xfrm>
+            <a:off x="6179629" y="5244249"/>
+            <a:ext cx="4404742" cy="1226926"/>
+          </a:xfrm>
+          <a:prstGeom prst="rect">
+            <a:avLst/>
+          </a:prstGeom>
+        </p:spPr>
+      </p:pic>
+      <p:cxnSp>
+        <p:nvCxnSpPr>
+          <p:cNvPr id="9" name="直接箭头连接符 8">
+            <a:extLst>
+              <a:ext uri="{FF2B5EF4-FFF2-40B4-BE49-F238E27FC236}">
+                <a16:creationId xmlns:a16="http://schemas.microsoft.com/office/drawing/2014/main" id="{3AB5690F-6C1C-4B8E-A49E-4F477AF1EC81}"/>
+              </a:ext>
+            </a:extLst>
+          </p:cNvPr>
+          <p:cNvCxnSpPr>
+            <a:cxnSpLocks/>
+          </p:cNvCxnSpPr>
+          <p:nvPr/>
+        </p:nvCxnSpPr>
+        <p:spPr>
+          <a:xfrm>
+            <a:off x="5365102" y="5895035"/>
+            <a:ext cx="754738" cy="0"/>
+          </a:xfrm>
+          <a:prstGeom prst="straightConnector1">
+            <a:avLst/>
+          </a:prstGeom>
+          <a:ln>
+            <a:tailEnd type="triangle"/>
+          </a:ln>
+        </p:spPr>
+        <p:style>
+          <a:lnRef idx="1">
+            <a:schemeClr val="accent1"/>
+          </a:lnRef>
+          <a:fillRef idx="0">
+            <a:schemeClr val="accent1"/>
+          </a:fillRef>
+          <a:effectRef idx="0">
+            <a:schemeClr val="accent1"/>
+          </a:effectRef>
+          <a:fontRef idx="minor">
+            <a:schemeClr val="tx1"/>
+          </a:fontRef>
+        </p:style>
+      </p:cxnSp>
+      <p:cxnSp>
+        <p:nvCxnSpPr>
+          <p:cNvPr id="13" name="直接箭头连接符 12">
+            <a:extLst>
+              <a:ext uri="{FF2B5EF4-FFF2-40B4-BE49-F238E27FC236}">
+                <a16:creationId xmlns:a16="http://schemas.microsoft.com/office/drawing/2014/main" id="{25F59FE5-1488-4CED-BA24-C7EFC3B7FAD4}"/>
+              </a:ext>
+            </a:extLst>
+          </p:cNvPr>
+          <p:cNvCxnSpPr/>
+          <p:nvPr/>
+        </p:nvCxnSpPr>
+        <p:spPr>
+          <a:xfrm>
+            <a:off x="5271796" y="2911151"/>
+            <a:ext cx="824204" cy="399211"/>
+          </a:xfrm>
+          <a:prstGeom prst="straightConnector1">
+            <a:avLst/>
+          </a:prstGeom>
+          <a:ln>
+            <a:tailEnd type="triangle"/>
+          </a:ln>
+        </p:spPr>
+        <p:style>
+          <a:lnRef idx="1">
+            <a:schemeClr val="accent1"/>
+          </a:lnRef>
+          <a:fillRef idx="0">
+            <a:schemeClr val="accent1"/>
+          </a:fillRef>
+          <a:effectRef idx="0">
+            <a:schemeClr val="accent1"/>
+          </a:effectRef>
+          <a:fontRef idx="minor">
+            <a:schemeClr val="tx1"/>
+          </a:fontRef>
+        </p:style>
+      </p:cxnSp>
+      <p:pic>
+        <p:nvPicPr>
+          <p:cNvPr id="14" name="图片 13">
+            <a:extLst>
+              <a:ext uri="{FF2B5EF4-FFF2-40B4-BE49-F238E27FC236}">
+                <a16:creationId xmlns:a16="http://schemas.microsoft.com/office/drawing/2014/main" id="{3DDCDB72-8577-4079-B4D0-70C5F3C02D3C}"/>
+              </a:ext>
+            </a:extLst>
+          </p:cNvPr>
+          <p:cNvPicPr>
+            <a:picLocks noChangeAspect="1"/>
+          </p:cNvPicPr>
+          <p:nvPr/>
+        </p:nvPicPr>
+        <p:blipFill>
+          <a:blip r:embed="rId6"/>
+          <a:stretch>
+            <a:fillRect/>
+          </a:stretch>
+        </p:blipFill>
+        <p:spPr>
+          <a:xfrm>
+            <a:off x="6139389" y="3318949"/>
+            <a:ext cx="2560542" cy="1158340"/>
           </a:xfrm>
           <a:prstGeom prst="rect">
             <a:avLst/>
